--- a/재영Sone 의 자존감 올리는.pptx
+++ b/재영Sone 의 자존감 올리는.pptx
@@ -11,6 +11,11 @@
     <p:sldId id="259" r:id="rId5"/>
     <p:sldId id="260" r:id="rId6"/>
     <p:sldId id="261" r:id="rId7"/>
+    <p:sldId id="262" r:id="rId8"/>
+    <p:sldId id="263" r:id="rId9"/>
+    <p:sldId id="264" r:id="rId10"/>
+    <p:sldId id="265" r:id="rId11"/>
+    <p:sldId id="266" r:id="rId12"/>
   </p:sldIdLst>
   <p:sldSz cx="12192000" cy="6858000"/>
   <p:notesSz cx="6858000" cy="9144000"/>
@@ -109,6 +114,11 @@
       </a:defRPr>
     </a:lvl9pPr>
   </p:defaultTextStyle>
+  <p:extLst>
+    <p:ext uri="{EFAFB233-063F-42B5-8137-9DF3F51BA10A}">
+      <p15:sldGuideLst xmlns:p15="http://schemas.microsoft.com/office/powerpoint/2012/main"/>
+    </p:ext>
+  </p:extLst>
 </p:presentation>
 </file>
 
@@ -2416,9 +2426,36 @@
 <p:sldMaster xmlns:a="http://schemas.openxmlformats.org/drawingml/2006/main" xmlns:r="http://schemas.openxmlformats.org/officeDocument/2006/relationships" xmlns:p="http://schemas.openxmlformats.org/presentationml/2006/main">
   <p:cSld>
     <p:bg>
-      <p:bgRef idx="1001">
-        <a:schemeClr val="bg1"/>
-      </p:bgRef>
+      <p:bgPr>
+        <a:gradFill flip="none" rotWithShape="1">
+          <a:gsLst>
+            <a:gs pos="15000">
+              <a:srgbClr val="FFC000"/>
+            </a:gs>
+            <a:gs pos="0">
+              <a:srgbClr val="FF0000"/>
+            </a:gs>
+            <a:gs pos="33000">
+              <a:srgbClr val="FFFF00"/>
+            </a:gs>
+            <a:gs pos="98165">
+              <a:srgbClr val="7030A0"/>
+            </a:gs>
+            <a:gs pos="84000">
+              <a:srgbClr val="002060"/>
+            </a:gs>
+            <a:gs pos="69000">
+              <a:srgbClr val="0070C0"/>
+            </a:gs>
+            <a:gs pos="53000">
+              <a:srgbClr val="00B050"/>
+            </a:gs>
+          </a:gsLst>
+          <a:lin ang="18900000" scaled="1"/>
+          <a:tileRect/>
+        </a:gradFill>
+        <a:effectLst/>
+      </p:bgPr>
     </p:bg>
     <p:spTree>
       <p:nvGrpSpPr>
@@ -2955,38 +2992,6 @@
 <file path=ppt/slides/slide1.xml><?xml version="1.0" encoding="utf-8"?>
 <p:sld xmlns:a="http://schemas.openxmlformats.org/drawingml/2006/main" xmlns:r="http://schemas.openxmlformats.org/officeDocument/2006/relationships" xmlns:p="http://schemas.openxmlformats.org/presentationml/2006/main">
   <p:cSld>
-    <p:bg>
-      <p:bgPr>
-        <a:gradFill flip="none" rotWithShape="1">
-          <a:gsLst>
-            <a:gs pos="15000">
-              <a:srgbClr val="FFC000"/>
-            </a:gs>
-            <a:gs pos="0">
-              <a:srgbClr val="FF0000"/>
-            </a:gs>
-            <a:gs pos="33000">
-              <a:srgbClr val="FFFF00"/>
-            </a:gs>
-            <a:gs pos="98165">
-              <a:srgbClr val="7030A0"/>
-            </a:gs>
-            <a:gs pos="84000">
-              <a:srgbClr val="002060"/>
-            </a:gs>
-            <a:gs pos="69000">
-              <a:srgbClr val="0070C0"/>
-            </a:gs>
-            <a:gs pos="53000">
-              <a:srgbClr val="00B050"/>
-            </a:gs>
-          </a:gsLst>
-          <a:lin ang="18900000" scaled="1"/>
-          <a:tileRect/>
-        </a:gradFill>
-        <a:effectLst/>
-      </p:bgPr>
-    </p:bg>
     <p:spTree>
       <p:nvGrpSpPr>
         <p:cNvPr id="1" name=""/>
@@ -3103,150 +3108,170 @@
           <a:lstStyle/>
           <a:p>
             <a:r>
-              <a:rPr lang="ko-KR" altLang="en-US" sz="2000" dirty="0" smtClean="0">
-                <a:solidFill>
-                  <a:schemeClr val="bg1"/>
-                </a:solidFill>
-                <a:effectLst>
-                  <a:outerShdw blurRad="38100" dist="38100" dir="2700000" algn="tl">
-                    <a:srgbClr val="000000">
-                      <a:alpha val="43137"/>
-                    </a:srgbClr>
-                  </a:outerShdw>
-                </a:effectLst>
+              <a:rPr lang="ko-KR" altLang="en-US" sz="2000" b="1" dirty="0" smtClean="0">
+                <a:ln w="22225">
+                  <a:solidFill>
+                    <a:schemeClr val="accent2"/>
+                  </a:solidFill>
+                  <a:prstDash val="solid"/>
+                </a:ln>
+                <a:solidFill>
+                  <a:schemeClr val="accent2">
+                    <a:lumMod val="40000"/>
+                    <a:lumOff val="60000"/>
+                  </a:schemeClr>
+                </a:solidFill>
               </a:rPr>
               <a:t>재영</a:t>
             </a:r>
             <a:r>
-              <a:rPr lang="en-US" altLang="ko-KR" sz="4800" dirty="0" smtClean="0">
-                <a:solidFill>
-                  <a:schemeClr val="bg1"/>
-                </a:solidFill>
-                <a:effectLst>
-                  <a:outerShdw blurRad="38100" dist="38100" dir="2700000" algn="tl">
-                    <a:srgbClr val="000000">
-                      <a:alpha val="43137"/>
-                    </a:srgbClr>
-                  </a:outerShdw>
-                </a:effectLst>
+              <a:rPr lang="en-US" altLang="ko-KR" sz="4800" b="1" dirty="0" smtClean="0">
+                <a:ln w="22225">
+                  <a:solidFill>
+                    <a:schemeClr val="accent2"/>
+                  </a:solidFill>
+                  <a:prstDash val="solid"/>
+                </a:ln>
+                <a:solidFill>
+                  <a:schemeClr val="accent2">
+                    <a:lumMod val="40000"/>
+                    <a:lumOff val="60000"/>
+                  </a:schemeClr>
+                </a:solidFill>
               </a:rPr>
               <a:t>Sone </a:t>
             </a:r>
             <a:r>
-              <a:rPr lang="ko-KR" altLang="en-US" sz="4800" dirty="0" smtClean="0">
-                <a:solidFill>
-                  <a:schemeClr val="bg1"/>
-                </a:solidFill>
-                <a:effectLst>
-                  <a:outerShdw blurRad="38100" dist="38100" dir="2700000" algn="tl">
-                    <a:srgbClr val="000000">
-                      <a:alpha val="43137"/>
-                    </a:srgbClr>
-                  </a:outerShdw>
-                </a:effectLst>
+              <a:rPr lang="ko-KR" altLang="en-US" sz="4800" b="1" dirty="0" smtClean="0">
+                <a:ln w="22225">
+                  <a:solidFill>
+                    <a:schemeClr val="accent2"/>
+                  </a:solidFill>
+                  <a:prstDash val="solid"/>
+                </a:ln>
+                <a:solidFill>
+                  <a:schemeClr val="accent2">
+                    <a:lumMod val="40000"/>
+                    <a:lumOff val="60000"/>
+                  </a:schemeClr>
+                </a:solidFill>
               </a:rPr>
               <a:t>의 </a:t>
             </a:r>
             <a:r>
-              <a:rPr lang="ko-KR" altLang="en-US" sz="4800" dirty="0" err="1" smtClean="0">
-                <a:solidFill>
-                  <a:schemeClr val="bg1"/>
-                </a:solidFill>
-                <a:effectLst>
-                  <a:outerShdw blurRad="38100" dist="38100" dir="2700000" algn="tl">
-                    <a:srgbClr val="000000">
-                      <a:alpha val="43137"/>
-                    </a:srgbClr>
-                  </a:outerShdw>
-                </a:effectLst>
+              <a:rPr lang="ko-KR" altLang="en-US" sz="4800" b="1" dirty="0" err="1" smtClean="0">
+                <a:ln w="22225">
+                  <a:solidFill>
+                    <a:schemeClr val="accent2"/>
+                  </a:solidFill>
+                  <a:prstDash val="solid"/>
+                </a:ln>
+                <a:solidFill>
+                  <a:schemeClr val="accent2">
+                    <a:lumMod val="40000"/>
+                    <a:lumOff val="60000"/>
+                  </a:schemeClr>
+                </a:solidFill>
               </a:rPr>
               <a:t>자존감</a:t>
             </a:r>
             <a:r>
-              <a:rPr lang="ko-KR" altLang="en-US" sz="4800" dirty="0" smtClean="0">
-                <a:solidFill>
-                  <a:schemeClr val="bg1"/>
-                </a:solidFill>
-                <a:effectLst>
-                  <a:outerShdw blurRad="38100" dist="38100" dir="2700000" algn="tl">
-                    <a:srgbClr val="000000">
-                      <a:alpha val="43137"/>
-                    </a:srgbClr>
-                  </a:outerShdw>
-                </a:effectLst>
+              <a:rPr lang="ko-KR" altLang="en-US" sz="4800" b="1" dirty="0" smtClean="0">
+                <a:ln w="22225">
+                  <a:solidFill>
+                    <a:schemeClr val="accent2"/>
+                  </a:solidFill>
+                  <a:prstDash val="solid"/>
+                </a:ln>
+                <a:solidFill>
+                  <a:schemeClr val="accent2">
+                    <a:lumMod val="40000"/>
+                    <a:lumOff val="60000"/>
+                  </a:schemeClr>
+                </a:solidFill>
               </a:rPr>
               <a:t> 올리는 </a:t>
             </a:r>
             <a:r>
-              <a:rPr lang="en-US" altLang="ko-KR" sz="4800" dirty="0" smtClean="0">
-                <a:solidFill>
-                  <a:schemeClr val="bg1"/>
-                </a:solidFill>
-                <a:effectLst>
-                  <a:outerShdw blurRad="38100" dist="38100" dir="2700000" algn="tl">
-                    <a:srgbClr val="000000">
-                      <a:alpha val="43137"/>
-                    </a:srgbClr>
-                  </a:outerShdw>
-                </a:effectLst>
+              <a:rPr lang="en-US" altLang="ko-KR" sz="4800" b="1" dirty="0" smtClean="0">
+                <a:ln w="22225">
+                  <a:solidFill>
+                    <a:schemeClr val="accent2"/>
+                  </a:solidFill>
+                  <a:prstDash val="solid"/>
+                </a:ln>
+                <a:solidFill>
+                  <a:schemeClr val="accent2">
+                    <a:lumMod val="40000"/>
+                    <a:lumOff val="60000"/>
+                  </a:schemeClr>
+                </a:solidFill>
               </a:rPr>
               <a:t/>
             </a:r>
             <a:br>
-              <a:rPr lang="en-US" altLang="ko-KR" sz="4800" dirty="0" smtClean="0">
-                <a:solidFill>
-                  <a:schemeClr val="bg1"/>
-                </a:solidFill>
-                <a:effectLst>
-                  <a:outerShdw blurRad="38100" dist="38100" dir="2700000" algn="tl">
-                    <a:srgbClr val="000000">
-                      <a:alpha val="43137"/>
-                    </a:srgbClr>
-                  </a:outerShdw>
-                </a:effectLst>
+              <a:rPr lang="en-US" altLang="ko-KR" sz="4800" b="1" dirty="0" smtClean="0">
+                <a:ln w="22225">
+                  <a:solidFill>
+                    <a:schemeClr val="accent2"/>
+                  </a:solidFill>
+                  <a:prstDash val="solid"/>
+                </a:ln>
+                <a:solidFill>
+                  <a:schemeClr val="accent2">
+                    <a:lumMod val="40000"/>
+                    <a:lumOff val="60000"/>
+                  </a:schemeClr>
+                </a:solidFill>
               </a:rPr>
             </a:br>
             <a:r>
-              <a:rPr lang="en-US" altLang="ko-KR" sz="4800" dirty="0" smtClean="0">
-                <a:solidFill>
-                  <a:schemeClr val="bg1"/>
-                </a:solidFill>
-                <a:effectLst>
-                  <a:outerShdw blurRad="38100" dist="38100" dir="2700000" algn="tl">
-                    <a:srgbClr val="000000">
-                      <a:alpha val="43137"/>
-                    </a:srgbClr>
-                  </a:outerShdw>
-                </a:effectLst>
+              <a:rPr lang="en-US" altLang="ko-KR" sz="4800" b="1" dirty="0" smtClean="0">
+                <a:ln w="22225">
+                  <a:solidFill>
+                    <a:schemeClr val="accent2"/>
+                  </a:solidFill>
+                  <a:prstDash val="solid"/>
+                </a:ln>
+                <a:solidFill>
+                  <a:schemeClr val="accent2">
+                    <a:lumMod val="40000"/>
+                    <a:lumOff val="60000"/>
+                  </a:schemeClr>
+                </a:solidFill>
               </a:rPr>
               <a:t>PPT </a:t>
             </a:r>
             <a:r>
-              <a:rPr lang="ko-KR" altLang="en-US" sz="4800" dirty="0" smtClean="0">
-                <a:solidFill>
-                  <a:schemeClr val="bg1"/>
-                </a:solidFill>
-                <a:effectLst>
-                  <a:outerShdw blurRad="38100" dist="38100" dir="2700000" algn="tl">
-                    <a:srgbClr val="000000">
-                      <a:alpha val="43137"/>
-                    </a:srgbClr>
-                  </a:outerShdw>
-                </a:effectLst>
+              <a:rPr lang="ko-KR" altLang="en-US" sz="4800" b="1" dirty="0" smtClean="0">
+                <a:ln w="22225">
+                  <a:solidFill>
+                    <a:schemeClr val="accent2"/>
+                  </a:solidFill>
+                  <a:prstDash val="solid"/>
+                </a:ln>
+                <a:solidFill>
+                  <a:schemeClr val="accent2">
+                    <a:lumMod val="40000"/>
+                    <a:lumOff val="60000"/>
+                  </a:schemeClr>
+                </a:solidFill>
               </a:rPr>
               <a:t>프로젝트</a:t>
             </a:r>
-            <a:endParaRPr lang="ko-KR" altLang="en-US" sz="4800" dirty="0">
+            <a:endParaRPr lang="ko-KR" altLang="en-US" sz="4800" b="1" dirty="0">
+              <a:ln w="22225">
+                <a:solidFill>
+                  <a:schemeClr val="accent2"/>
+                </a:solidFill>
+                <a:prstDash val="solid"/>
+              </a:ln>
               <a:solidFill>
-                <a:schemeClr val="bg1"/>
+                <a:schemeClr val="accent2">
+                  <a:lumMod val="40000"/>
+                  <a:lumOff val="60000"/>
+                </a:schemeClr>
               </a:solidFill>
-              <a:effectLst>
-                <a:outerShdw blurRad="38100" dist="38100" dir="2700000" algn="tl">
-                  <a:srgbClr val="000000">
-                    <a:alpha val="43137"/>
-                  </a:srgbClr>
-                </a:outerShdw>
-              </a:effectLst>
             </a:endParaRPr>
           </a:p>
         </p:txBody>
@@ -3616,40 +3641,159 @@
 </p:sld>
 </file>
 
+<file path=ppt/slides/slide10.xml><?xml version="1.0" encoding="utf-8"?>
+<p:sld xmlns:a="http://schemas.openxmlformats.org/drawingml/2006/main" xmlns:r="http://schemas.openxmlformats.org/officeDocument/2006/relationships" xmlns:p="http://schemas.openxmlformats.org/presentationml/2006/main">
+  <p:cSld>
+    <p:spTree>
+      <p:nvGrpSpPr>
+        <p:cNvPr id="1" name=""/>
+        <p:cNvGrpSpPr/>
+        <p:nvPr/>
+      </p:nvGrpSpPr>
+      <p:grpSpPr>
+        <a:xfrm>
+          <a:off x="0" y="0"/>
+          <a:ext cx="0" cy="0"/>
+          <a:chOff x="0" y="0"/>
+          <a:chExt cx="0" cy="0"/>
+        </a:xfrm>
+      </p:grpSpPr>
+      <p:sp>
+        <p:nvSpPr>
+          <p:cNvPr id="2" name="제목 1"/>
+          <p:cNvSpPr>
+            <a:spLocks noGrp="1"/>
+          </p:cNvSpPr>
+          <p:nvPr>
+            <p:ph type="title"/>
+          </p:nvPr>
+        </p:nvSpPr>
+        <p:spPr/>
+        <p:txBody>
+          <a:bodyPr/>
+          <a:lstStyle/>
+          <a:p>
+            <a:endParaRPr lang="ko-KR" altLang="en-US"/>
+          </a:p>
+        </p:txBody>
+      </p:sp>
+      <p:sp>
+        <p:nvSpPr>
+          <p:cNvPr id="3" name="내용 개체 틀 2"/>
+          <p:cNvSpPr>
+            <a:spLocks noGrp="1"/>
+          </p:cNvSpPr>
+          <p:nvPr>
+            <p:ph idx="1"/>
+          </p:nvPr>
+        </p:nvSpPr>
+        <p:spPr/>
+        <p:txBody>
+          <a:bodyPr/>
+          <a:lstStyle/>
+          <a:p>
+            <a:endParaRPr lang="ko-KR" altLang="en-US"/>
+          </a:p>
+        </p:txBody>
+      </p:sp>
+    </p:spTree>
+    <p:extLst>
+      <p:ext uri="{BB962C8B-B14F-4D97-AF65-F5344CB8AC3E}">
+        <p14:creationId xmlns:p14="http://schemas.microsoft.com/office/powerpoint/2010/main" val="4150479623"/>
+      </p:ext>
+    </p:extLst>
+  </p:cSld>
+  <p:clrMapOvr>
+    <a:masterClrMapping/>
+  </p:clrMapOvr>
+  <p:timing>
+    <p:tnLst>
+      <p:par>
+        <p:cTn id="1" dur="indefinite" restart="never" nodeType="tmRoot"/>
+      </p:par>
+    </p:tnLst>
+  </p:timing>
+</p:sld>
+</file>
+
+<file path=ppt/slides/slide11.xml><?xml version="1.0" encoding="utf-8"?>
+<p:sld xmlns:a="http://schemas.openxmlformats.org/drawingml/2006/main" xmlns:r="http://schemas.openxmlformats.org/officeDocument/2006/relationships" xmlns:p="http://schemas.openxmlformats.org/presentationml/2006/main">
+  <p:cSld>
+    <p:spTree>
+      <p:nvGrpSpPr>
+        <p:cNvPr id="1" name=""/>
+        <p:cNvGrpSpPr/>
+        <p:nvPr/>
+      </p:nvGrpSpPr>
+      <p:grpSpPr>
+        <a:xfrm>
+          <a:off x="0" y="0"/>
+          <a:ext cx="0" cy="0"/>
+          <a:chOff x="0" y="0"/>
+          <a:chExt cx="0" cy="0"/>
+        </a:xfrm>
+      </p:grpSpPr>
+      <p:sp>
+        <p:nvSpPr>
+          <p:cNvPr id="2" name="제목 1"/>
+          <p:cNvSpPr>
+            <a:spLocks noGrp="1"/>
+          </p:cNvSpPr>
+          <p:nvPr>
+            <p:ph type="title"/>
+          </p:nvPr>
+        </p:nvSpPr>
+        <p:spPr/>
+        <p:txBody>
+          <a:bodyPr/>
+          <a:lstStyle/>
+          <a:p>
+            <a:endParaRPr lang="ko-KR" altLang="en-US"/>
+          </a:p>
+        </p:txBody>
+      </p:sp>
+      <p:sp>
+        <p:nvSpPr>
+          <p:cNvPr id="3" name="내용 개체 틀 2"/>
+          <p:cNvSpPr>
+            <a:spLocks noGrp="1"/>
+          </p:cNvSpPr>
+          <p:nvPr>
+            <p:ph idx="1"/>
+          </p:nvPr>
+        </p:nvSpPr>
+        <p:spPr/>
+        <p:txBody>
+          <a:bodyPr/>
+          <a:lstStyle/>
+          <a:p>
+            <a:endParaRPr lang="ko-KR" altLang="en-US"/>
+          </a:p>
+        </p:txBody>
+      </p:sp>
+    </p:spTree>
+    <p:extLst>
+      <p:ext uri="{BB962C8B-B14F-4D97-AF65-F5344CB8AC3E}">
+        <p14:creationId xmlns:p14="http://schemas.microsoft.com/office/powerpoint/2010/main" val="1954229964"/>
+      </p:ext>
+    </p:extLst>
+  </p:cSld>
+  <p:clrMapOvr>
+    <a:masterClrMapping/>
+  </p:clrMapOvr>
+  <p:timing>
+    <p:tnLst>
+      <p:par>
+        <p:cTn id="1" dur="indefinite" restart="never" nodeType="tmRoot"/>
+      </p:par>
+    </p:tnLst>
+  </p:timing>
+</p:sld>
+</file>
+
 <file path=ppt/slides/slide2.xml><?xml version="1.0" encoding="utf-8"?>
 <p:sld xmlns:a="http://schemas.openxmlformats.org/drawingml/2006/main" xmlns:r="http://schemas.openxmlformats.org/officeDocument/2006/relationships" xmlns:p="http://schemas.openxmlformats.org/presentationml/2006/main">
   <p:cSld>
-    <p:bg>
-      <p:bgPr>
-        <a:gradFill>
-          <a:gsLst>
-            <a:gs pos="15000">
-              <a:srgbClr val="FFC000"/>
-            </a:gs>
-            <a:gs pos="0">
-              <a:srgbClr val="FF0000"/>
-            </a:gs>
-            <a:gs pos="33000">
-              <a:srgbClr val="FFFF00"/>
-            </a:gs>
-            <a:gs pos="98165">
-              <a:srgbClr val="7030A0"/>
-            </a:gs>
-            <a:gs pos="84000">
-              <a:srgbClr val="002060"/>
-            </a:gs>
-            <a:gs pos="69000">
-              <a:srgbClr val="0070C0"/>
-            </a:gs>
-            <a:gs pos="53000">
-              <a:srgbClr val="00B050"/>
-            </a:gs>
-          </a:gsLst>
-          <a:lin ang="18900000" scaled="1"/>
-        </a:gradFill>
-        <a:effectLst/>
-      </p:bgPr>
-    </p:bg>
     <p:spTree>
       <p:nvGrpSpPr>
         <p:cNvPr id="1" name=""/>
@@ -5109,37 +5253,6 @@
 <file path=ppt/slides/slide3.xml><?xml version="1.0" encoding="utf-8"?>
 <p:sld xmlns:a="http://schemas.openxmlformats.org/drawingml/2006/main" xmlns:r="http://schemas.openxmlformats.org/officeDocument/2006/relationships" xmlns:p="http://schemas.openxmlformats.org/presentationml/2006/main">
   <p:cSld>
-    <p:bg>
-      <p:bgPr>
-        <a:gradFill>
-          <a:gsLst>
-            <a:gs pos="15000">
-              <a:srgbClr val="FFC000"/>
-            </a:gs>
-            <a:gs pos="0">
-              <a:srgbClr val="FF0000"/>
-            </a:gs>
-            <a:gs pos="33000">
-              <a:srgbClr val="FFFF00"/>
-            </a:gs>
-            <a:gs pos="98165">
-              <a:srgbClr val="7030A0"/>
-            </a:gs>
-            <a:gs pos="84000">
-              <a:srgbClr val="002060"/>
-            </a:gs>
-            <a:gs pos="69000">
-              <a:srgbClr val="0070C0"/>
-            </a:gs>
-            <a:gs pos="53000">
-              <a:srgbClr val="00B050"/>
-            </a:gs>
-          </a:gsLst>
-          <a:lin ang="18900000" scaled="1"/>
-        </a:gradFill>
-        <a:effectLst/>
-      </p:bgPr>
-    </p:bg>
     <p:spTree>
       <p:nvGrpSpPr>
         <p:cNvPr id="1" name=""/>
@@ -7177,37 +7290,6 @@
 <file path=ppt/slides/slide4.xml><?xml version="1.0" encoding="utf-8"?>
 <p:sld xmlns:a="http://schemas.openxmlformats.org/drawingml/2006/main" xmlns:r="http://schemas.openxmlformats.org/officeDocument/2006/relationships" xmlns:p="http://schemas.openxmlformats.org/presentationml/2006/main">
   <p:cSld>
-    <p:bg>
-      <p:bgPr>
-        <a:gradFill>
-          <a:gsLst>
-            <a:gs pos="15000">
-              <a:srgbClr val="FFC000"/>
-            </a:gs>
-            <a:gs pos="0">
-              <a:srgbClr val="FF0000"/>
-            </a:gs>
-            <a:gs pos="33000">
-              <a:srgbClr val="FFFF00"/>
-            </a:gs>
-            <a:gs pos="98165">
-              <a:srgbClr val="7030A0"/>
-            </a:gs>
-            <a:gs pos="84000">
-              <a:srgbClr val="002060"/>
-            </a:gs>
-            <a:gs pos="69000">
-              <a:srgbClr val="0070C0"/>
-            </a:gs>
-            <a:gs pos="53000">
-              <a:srgbClr val="00B050"/>
-            </a:gs>
-          </a:gsLst>
-          <a:lin ang="18900000" scaled="1"/>
-        </a:gradFill>
-        <a:effectLst/>
-      </p:bgPr>
-    </p:bg>
     <p:spTree>
       <p:nvGrpSpPr>
         <p:cNvPr id="1" name=""/>
@@ -7576,37 +7658,6 @@
 <file path=ppt/slides/slide5.xml><?xml version="1.0" encoding="utf-8"?>
 <p:sld xmlns:a="http://schemas.openxmlformats.org/drawingml/2006/main" xmlns:r="http://schemas.openxmlformats.org/officeDocument/2006/relationships" xmlns:p="http://schemas.openxmlformats.org/presentationml/2006/main">
   <p:cSld>
-    <p:bg>
-      <p:bgPr>
-        <a:gradFill>
-          <a:gsLst>
-            <a:gs pos="15000">
-              <a:srgbClr val="FFC000"/>
-            </a:gs>
-            <a:gs pos="0">
-              <a:srgbClr val="FF0000"/>
-            </a:gs>
-            <a:gs pos="33000">
-              <a:srgbClr val="FFFF00"/>
-            </a:gs>
-            <a:gs pos="98165">
-              <a:srgbClr val="7030A0"/>
-            </a:gs>
-            <a:gs pos="84000">
-              <a:srgbClr val="002060"/>
-            </a:gs>
-            <a:gs pos="69000">
-              <a:srgbClr val="0070C0"/>
-            </a:gs>
-            <a:gs pos="53000">
-              <a:srgbClr val="00B050"/>
-            </a:gs>
-          </a:gsLst>
-          <a:lin ang="18900000" scaled="1"/>
-        </a:gradFill>
-        <a:effectLst/>
-      </p:bgPr>
-    </p:bg>
     <p:spTree>
       <p:nvGrpSpPr>
         <p:cNvPr id="1" name=""/>
@@ -7966,10 +8017,539 @@
           </a:p>
         </p:txBody>
       </p:sp>
+      <p:pic>
+        <p:nvPicPr>
+          <p:cNvPr id="3" name="그림 2"/>
+          <p:cNvPicPr>
+            <a:picLocks noChangeAspect="1"/>
+          </p:cNvPicPr>
+          <p:nvPr/>
+        </p:nvPicPr>
+        <p:blipFill>
+          <a:blip r:embed="rId2">
+            <a:extLst>
+              <a:ext uri="{BEBA8EAE-BF5A-486C-A8C5-ECC9F3942E4B}">
+                <a14:imgProps xmlns:a14="http://schemas.microsoft.com/office/drawing/2010/main">
+                  <a14:imgLayer r:embed="rId3">
+                    <a14:imgEffect>
+                      <a14:backgroundRemoval t="0" b="100000" l="10000" r="96190"/>
+                    </a14:imgEffect>
+                  </a14:imgLayer>
+                </a14:imgProps>
+              </a:ext>
+            </a:extLst>
+          </a:blip>
+          <a:stretch>
+            <a:fillRect/>
+          </a:stretch>
+        </p:blipFill>
+        <p:spPr>
+          <a:xfrm>
+            <a:off x="4033952" y="1627910"/>
+            <a:ext cx="3358309" cy="2238873"/>
+          </a:xfrm>
+          <a:prstGeom prst="rect">
+            <a:avLst/>
+          </a:prstGeom>
+        </p:spPr>
+      </p:pic>
+      <p:pic>
+        <p:nvPicPr>
+          <p:cNvPr id="5" name="그림 4"/>
+          <p:cNvPicPr>
+            <a:picLocks noChangeAspect="1"/>
+          </p:cNvPicPr>
+          <p:nvPr/>
+        </p:nvPicPr>
+        <p:blipFill>
+          <a:blip r:embed="rId4">
+            <a:extLst>
+              <a:ext uri="{BEBA8EAE-BF5A-486C-A8C5-ECC9F3942E4B}">
+                <a14:imgProps xmlns:a14="http://schemas.microsoft.com/office/drawing/2010/main">
+                  <a14:imgLayer r:embed="rId5">
+                    <a14:imgEffect>
+                      <a14:backgroundRemoval t="9836" b="99454" l="9845" r="98446">
+                        <a14:foregroundMark x1="40415" y1="44809" x2="40415" y2="44809"/>
+                        <a14:foregroundMark x1="36788" y1="59563" x2="36788" y2="59563"/>
+                        <a14:foregroundMark x1="30570" y1="61202" x2="30570" y2="61202"/>
+                        <a14:foregroundMark x1="26425" y1="61749" x2="26425" y2="61749"/>
+                        <a14:foregroundMark x1="48705" y1="43716" x2="48705" y2="43716"/>
+                        <a14:foregroundMark x1="56995" y1="46448" x2="56995" y2="46448"/>
+                        <a14:foregroundMark x1="67358" y1="43169" x2="67358" y2="43169"/>
+                        <a14:foregroundMark x1="54922" y1="64481" x2="54922" y2="64481"/>
+                        <a14:foregroundMark x1="61658" y1="63388" x2="61658" y2="63388"/>
+                        <a14:foregroundMark x1="46114" y1="62842" x2="46114" y2="62842"/>
+                        <a14:foregroundMark x1="23316" y1="62295" x2="23316" y2="62295"/>
+                        <a14:foregroundMark x1="66321" y1="62842" x2="66321" y2="62842"/>
+                        <a14:foregroundMark x1="73575" y1="62842" x2="73575" y2="62842"/>
+                        <a14:foregroundMark x1="79793" y1="62842" x2="79793" y2="62842"/>
+                      </a14:backgroundRemoval>
+                    </a14:imgEffect>
+                  </a14:imgLayer>
+                </a14:imgProps>
+              </a:ext>
+            </a:extLst>
+          </a:blip>
+          <a:stretch>
+            <a:fillRect/>
+          </a:stretch>
+        </p:blipFill>
+        <p:spPr>
+          <a:xfrm>
+            <a:off x="8177088" y="1293036"/>
+            <a:ext cx="2648181" cy="2510968"/>
+          </a:xfrm>
+          <a:prstGeom prst="rect">
+            <a:avLst/>
+          </a:prstGeom>
+        </p:spPr>
+      </p:pic>
+      <p:pic>
+        <p:nvPicPr>
+          <p:cNvPr id="6" name="그림 5"/>
+          <p:cNvPicPr>
+            <a:picLocks noChangeAspect="1"/>
+          </p:cNvPicPr>
+          <p:nvPr/>
+        </p:nvPicPr>
+        <p:blipFill>
+          <a:blip r:embed="rId6">
+            <a:extLst>
+              <a:ext uri="{BEBA8EAE-BF5A-486C-A8C5-ECC9F3942E4B}">
+                <a14:imgProps xmlns:a14="http://schemas.microsoft.com/office/drawing/2010/main">
+                  <a14:imgLayer r:embed="rId7">
+                    <a14:imgEffect>
+                      <a14:backgroundRemoval t="10000" b="90000" l="10000" r="90000"/>
+                    </a14:imgEffect>
+                  </a14:imgLayer>
+                </a14:imgProps>
+              </a:ext>
+            </a:extLst>
+          </a:blip>
+          <a:stretch>
+            <a:fillRect/>
+          </a:stretch>
+        </p:blipFill>
+        <p:spPr>
+          <a:xfrm>
+            <a:off x="1150635" y="1483905"/>
+            <a:ext cx="2490904" cy="2320099"/>
+          </a:xfrm>
+          <a:prstGeom prst="rect">
+            <a:avLst/>
+          </a:prstGeom>
+        </p:spPr>
+      </p:pic>
+      <p:pic>
+        <p:nvPicPr>
+          <p:cNvPr id="7" name="그림 6"/>
+          <p:cNvPicPr>
+            <a:picLocks noChangeAspect="1"/>
+          </p:cNvPicPr>
+          <p:nvPr/>
+        </p:nvPicPr>
+        <p:blipFill>
+          <a:blip r:embed="rId8"/>
+          <a:stretch>
+            <a:fillRect/>
+          </a:stretch>
+        </p:blipFill>
+        <p:spPr>
+          <a:xfrm>
+            <a:off x="1066675" y="3929561"/>
+            <a:ext cx="2810000" cy="2780106"/>
+          </a:xfrm>
+          <a:prstGeom prst="rect">
+            <a:avLst/>
+          </a:prstGeom>
+        </p:spPr>
+      </p:pic>
+      <p:pic>
+        <p:nvPicPr>
+          <p:cNvPr id="8" name="그림 7"/>
+          <p:cNvPicPr>
+            <a:picLocks noChangeAspect="1"/>
+          </p:cNvPicPr>
+          <p:nvPr/>
+        </p:nvPicPr>
+        <p:blipFill>
+          <a:blip r:embed="rId9"/>
+          <a:stretch>
+            <a:fillRect/>
+          </a:stretch>
+        </p:blipFill>
+        <p:spPr>
+          <a:xfrm>
+            <a:off x="4681401" y="3943779"/>
+            <a:ext cx="2948124" cy="2789931"/>
+          </a:xfrm>
+          <a:prstGeom prst="rect">
+            <a:avLst/>
+          </a:prstGeom>
+        </p:spPr>
+      </p:pic>
+      <p:pic>
+        <p:nvPicPr>
+          <p:cNvPr id="9" name="그림 8"/>
+          <p:cNvPicPr>
+            <a:picLocks noChangeAspect="1"/>
+          </p:cNvPicPr>
+          <p:nvPr/>
+        </p:nvPicPr>
+        <p:blipFill>
+          <a:blip r:embed="rId10"/>
+          <a:stretch>
+            <a:fillRect/>
+          </a:stretch>
+        </p:blipFill>
+        <p:spPr>
+          <a:xfrm>
+            <a:off x="8177088" y="4072734"/>
+            <a:ext cx="2605212" cy="2493759"/>
+          </a:xfrm>
+          <a:prstGeom prst="rect">
+            <a:avLst/>
+          </a:prstGeom>
+        </p:spPr>
+      </p:pic>
     </p:spTree>
     <p:extLst>
       <p:ext uri="{BB962C8B-B14F-4D97-AF65-F5344CB8AC3E}">
         <p14:creationId xmlns:p14="http://schemas.microsoft.com/office/powerpoint/2010/main" val="3073592695"/>
+      </p:ext>
+    </p:extLst>
+  </p:cSld>
+  <p:clrMapOvr>
+    <a:masterClrMapping/>
+  </p:clrMapOvr>
+  <p:timing>
+    <p:tnLst>
+      <p:par>
+        <p:cTn id="1" dur="indefinite" restart="never" nodeType="tmRoot"/>
+      </p:par>
+    </p:tnLst>
+  </p:timing>
+</p:sld>
+</file>
+
+<file path=ppt/slides/slide7.xml><?xml version="1.0" encoding="utf-8"?>
+<p:sld xmlns:a="http://schemas.openxmlformats.org/drawingml/2006/main" xmlns:r="http://schemas.openxmlformats.org/officeDocument/2006/relationships" xmlns:p="http://schemas.openxmlformats.org/presentationml/2006/main">
+  <p:cSld>
+    <p:spTree>
+      <p:nvGrpSpPr>
+        <p:cNvPr id="1" name=""/>
+        <p:cNvGrpSpPr/>
+        <p:nvPr/>
+      </p:nvGrpSpPr>
+      <p:grpSpPr>
+        <a:xfrm>
+          <a:off x="0" y="0"/>
+          <a:ext cx="0" cy="0"/>
+          <a:chOff x="0" y="0"/>
+          <a:chExt cx="0" cy="0"/>
+        </a:xfrm>
+      </p:grpSpPr>
+      <p:sp>
+        <p:nvSpPr>
+          <p:cNvPr id="2" name="제목 1"/>
+          <p:cNvSpPr>
+            <a:spLocks noGrp="1"/>
+          </p:cNvSpPr>
+          <p:nvPr>
+            <p:ph type="title"/>
+          </p:nvPr>
+        </p:nvSpPr>
+        <p:spPr>
+          <a:xfrm>
+            <a:off x="904875" y="485775"/>
+            <a:ext cx="10210800" cy="1309688"/>
+          </a:xfrm>
+        </p:spPr>
+        <p:txBody>
+          <a:bodyPr>
+            <a:normAutofit/>
+          </a:bodyPr>
+          <a:lstStyle/>
+          <a:p>
+            <a:pPr algn="ctr"/>
+            <a:r>
+              <a:rPr lang="ko-KR" altLang="en-US" sz="1600" dirty="0">
+                <a:effectLst>
+                  <a:outerShdw blurRad="38100" dist="38100" dir="2700000" algn="tl">
+                    <a:srgbClr val="000000">
+                      <a:alpha val="43137"/>
+                    </a:srgbClr>
+                  </a:outerShdw>
+                </a:effectLst>
+              </a:rPr>
+              <a:t>재영</a:t>
+            </a:r>
+            <a:r>
+              <a:rPr lang="en-US" altLang="ko-KR" sz="7200" dirty="0" smtClean="0">
+                <a:effectLst>
+                  <a:outerShdw blurRad="38100" dist="38100" dir="2700000" algn="tl">
+                    <a:srgbClr val="000000">
+                      <a:alpha val="43137"/>
+                    </a:srgbClr>
+                  </a:outerShdw>
+                </a:effectLst>
+              </a:rPr>
+              <a:t>Sone </a:t>
+            </a:r>
+            <a:r>
+              <a:rPr lang="ko-KR" altLang="en-US" sz="7200" dirty="0" smtClean="0">
+                <a:effectLst>
+                  <a:outerShdw blurRad="38100" dist="38100" dir="2700000" algn="tl">
+                    <a:srgbClr val="000000">
+                      <a:alpha val="43137"/>
+                    </a:srgbClr>
+                  </a:outerShdw>
+                </a:effectLst>
+              </a:rPr>
+              <a:t>의 </a:t>
+            </a:r>
+            <a:r>
+              <a:rPr lang="ko-KR" altLang="en-US" sz="7200" dirty="0" err="1" smtClean="0">
+                <a:effectLst>
+                  <a:outerShdw blurRad="38100" dist="38100" dir="2700000" algn="tl">
+                    <a:srgbClr val="000000">
+                      <a:alpha val="43137"/>
+                    </a:srgbClr>
+                  </a:outerShdw>
+                </a:effectLst>
+              </a:rPr>
+              <a:t>갓생</a:t>
+            </a:r>
+            <a:r>
+              <a:rPr lang="ko-KR" altLang="en-US" sz="7200" dirty="0" smtClean="0">
+                <a:effectLst>
+                  <a:outerShdw blurRad="38100" dist="38100" dir="2700000" algn="tl">
+                    <a:srgbClr val="000000">
+                      <a:alpha val="43137"/>
+                    </a:srgbClr>
+                  </a:outerShdw>
+                </a:effectLst>
+              </a:rPr>
+              <a:t> 루틴</a:t>
+            </a:r>
+            <a:endParaRPr lang="ko-KR" altLang="en-US" sz="7200" dirty="0"/>
+          </a:p>
+        </p:txBody>
+      </p:sp>
+      <p:pic>
+        <p:nvPicPr>
+          <p:cNvPr id="4" name="그림 3"/>
+          <p:cNvPicPr>
+            <a:picLocks noChangeAspect="1"/>
+          </p:cNvPicPr>
+          <p:nvPr/>
+        </p:nvPicPr>
+        <p:blipFill>
+          <a:blip r:embed="rId2">
+            <a:extLst>
+              <a:ext uri="{BEBA8EAE-BF5A-486C-A8C5-ECC9F3942E4B}">
+                <a14:imgProps xmlns:a14="http://schemas.microsoft.com/office/drawing/2010/main">
+                  <a14:imgLayer r:embed="rId3">
+                    <a14:imgEffect>
+                      <a14:backgroundRemoval t="897" b="95964" l="9205" r="93305"/>
+                    </a14:imgEffect>
+                  </a14:imgLayer>
+                </a14:imgProps>
+              </a:ext>
+            </a:extLst>
+          </a:blip>
+          <a:stretch>
+            <a:fillRect/>
+          </a:stretch>
+        </p:blipFill>
+        <p:spPr>
+          <a:xfrm>
+            <a:off x="315818" y="1910593"/>
+            <a:ext cx="1862297" cy="1737624"/>
+          </a:xfrm>
+          <a:prstGeom prst="rect">
+            <a:avLst/>
+          </a:prstGeom>
+        </p:spPr>
+      </p:pic>
+      <p:pic>
+        <p:nvPicPr>
+          <p:cNvPr id="6" name="그림 5"/>
+          <p:cNvPicPr>
+            <a:picLocks noChangeAspect="1"/>
+          </p:cNvPicPr>
+          <p:nvPr/>
+        </p:nvPicPr>
+        <p:blipFill>
+          <a:blip r:embed="rId4"/>
+          <a:stretch>
+            <a:fillRect/>
+          </a:stretch>
+        </p:blipFill>
+        <p:spPr>
+          <a:xfrm>
+            <a:off x="2517487" y="1764851"/>
+            <a:ext cx="3200847" cy="2029108"/>
+          </a:xfrm>
+          <a:prstGeom prst="rect">
+            <a:avLst/>
+          </a:prstGeom>
+        </p:spPr>
+      </p:pic>
+    </p:spTree>
+    <p:extLst>
+      <p:ext uri="{BB962C8B-B14F-4D97-AF65-F5344CB8AC3E}">
+        <p14:creationId xmlns:p14="http://schemas.microsoft.com/office/powerpoint/2010/main" val="327145635"/>
+      </p:ext>
+    </p:extLst>
+  </p:cSld>
+  <p:clrMapOvr>
+    <a:masterClrMapping/>
+  </p:clrMapOvr>
+  <p:timing>
+    <p:tnLst>
+      <p:par>
+        <p:cTn id="1" dur="indefinite" restart="never" nodeType="tmRoot"/>
+      </p:par>
+    </p:tnLst>
+  </p:timing>
+</p:sld>
+</file>
+
+<file path=ppt/slides/slide8.xml><?xml version="1.0" encoding="utf-8"?>
+<p:sld xmlns:a="http://schemas.openxmlformats.org/drawingml/2006/main" xmlns:r="http://schemas.openxmlformats.org/officeDocument/2006/relationships" xmlns:p="http://schemas.openxmlformats.org/presentationml/2006/main">
+  <p:cSld>
+    <p:spTree>
+      <p:nvGrpSpPr>
+        <p:cNvPr id="1" name=""/>
+        <p:cNvGrpSpPr/>
+        <p:nvPr/>
+      </p:nvGrpSpPr>
+      <p:grpSpPr>
+        <a:xfrm>
+          <a:off x="0" y="0"/>
+          <a:ext cx="0" cy="0"/>
+          <a:chOff x="0" y="0"/>
+          <a:chExt cx="0" cy="0"/>
+        </a:xfrm>
+      </p:grpSpPr>
+      <p:sp>
+        <p:nvSpPr>
+          <p:cNvPr id="2" name="제목 1"/>
+          <p:cNvSpPr>
+            <a:spLocks noGrp="1"/>
+          </p:cNvSpPr>
+          <p:nvPr>
+            <p:ph type="title"/>
+          </p:nvPr>
+        </p:nvSpPr>
+        <p:spPr/>
+        <p:txBody>
+          <a:bodyPr/>
+          <a:lstStyle/>
+          <a:p>
+            <a:endParaRPr lang="ko-KR" altLang="en-US"/>
+          </a:p>
+        </p:txBody>
+      </p:sp>
+      <p:sp>
+        <p:nvSpPr>
+          <p:cNvPr id="3" name="내용 개체 틀 2"/>
+          <p:cNvSpPr>
+            <a:spLocks noGrp="1"/>
+          </p:cNvSpPr>
+          <p:nvPr>
+            <p:ph idx="1"/>
+          </p:nvPr>
+        </p:nvSpPr>
+        <p:spPr/>
+        <p:txBody>
+          <a:bodyPr/>
+          <a:lstStyle/>
+          <a:p>
+            <a:endParaRPr lang="ko-KR" altLang="en-US"/>
+          </a:p>
+        </p:txBody>
+      </p:sp>
+    </p:spTree>
+    <p:extLst>
+      <p:ext uri="{BB962C8B-B14F-4D97-AF65-F5344CB8AC3E}">
+        <p14:creationId xmlns:p14="http://schemas.microsoft.com/office/powerpoint/2010/main" val="2610241089"/>
+      </p:ext>
+    </p:extLst>
+  </p:cSld>
+  <p:clrMapOvr>
+    <a:masterClrMapping/>
+  </p:clrMapOvr>
+  <p:timing>
+    <p:tnLst>
+      <p:par>
+        <p:cTn id="1" dur="indefinite" restart="never" nodeType="tmRoot"/>
+      </p:par>
+    </p:tnLst>
+  </p:timing>
+</p:sld>
+</file>
+
+<file path=ppt/slides/slide9.xml><?xml version="1.0" encoding="utf-8"?>
+<p:sld xmlns:a="http://schemas.openxmlformats.org/drawingml/2006/main" xmlns:r="http://schemas.openxmlformats.org/officeDocument/2006/relationships" xmlns:p="http://schemas.openxmlformats.org/presentationml/2006/main">
+  <p:cSld>
+    <p:spTree>
+      <p:nvGrpSpPr>
+        <p:cNvPr id="1" name=""/>
+        <p:cNvGrpSpPr/>
+        <p:nvPr/>
+      </p:nvGrpSpPr>
+      <p:grpSpPr>
+        <a:xfrm>
+          <a:off x="0" y="0"/>
+          <a:ext cx="0" cy="0"/>
+          <a:chOff x="0" y="0"/>
+          <a:chExt cx="0" cy="0"/>
+        </a:xfrm>
+      </p:grpSpPr>
+      <p:sp>
+        <p:nvSpPr>
+          <p:cNvPr id="2" name="제목 1"/>
+          <p:cNvSpPr>
+            <a:spLocks noGrp="1"/>
+          </p:cNvSpPr>
+          <p:nvPr>
+            <p:ph type="title"/>
+          </p:nvPr>
+        </p:nvSpPr>
+        <p:spPr/>
+        <p:txBody>
+          <a:bodyPr/>
+          <a:lstStyle/>
+          <a:p>
+            <a:endParaRPr lang="ko-KR" altLang="en-US"/>
+          </a:p>
+        </p:txBody>
+      </p:sp>
+      <p:sp>
+        <p:nvSpPr>
+          <p:cNvPr id="3" name="내용 개체 틀 2"/>
+          <p:cNvSpPr>
+            <a:spLocks noGrp="1"/>
+          </p:cNvSpPr>
+          <p:nvPr>
+            <p:ph idx="1"/>
+          </p:nvPr>
+        </p:nvSpPr>
+        <p:spPr/>
+        <p:txBody>
+          <a:bodyPr/>
+          <a:lstStyle/>
+          <a:p>
+            <a:endParaRPr lang="ko-KR" altLang="en-US"/>
+          </a:p>
+        </p:txBody>
+      </p:sp>
+    </p:spTree>
+    <p:extLst>
+      <p:ext uri="{BB962C8B-B14F-4D97-AF65-F5344CB8AC3E}">
+        <p14:creationId xmlns:p14="http://schemas.microsoft.com/office/powerpoint/2010/main" val="3991011294"/>
       </p:ext>
     </p:extLst>
   </p:cSld>
